--- a/2d겜플_2차_2014182023_심민규.pptx
+++ b/2d겜플_2차_2014182023_심민규.pptx
@@ -6130,11 +6130,7 @@
             </a:r>
             <a:r>
               <a:rPr lang="en-US" altLang="ko-KR" dirty="0" smtClean="0"/>
-              <a:t>(Ship Box</a:t>
-            </a:r>
-            <a:r>
-              <a:rPr lang="en-US" altLang="ko-KR" dirty="0" smtClean="0"/>
-              <a:t>)</a:t>
+              <a:t>(Ship Box)</a:t>
             </a:r>
             <a:br>
               <a:rPr lang="en-US" altLang="ko-KR" dirty="0" smtClean="0"/>
@@ -8068,7 +8064,7 @@
       </p:sp>
       <p:pic>
         <p:nvPicPr>
-          <p:cNvPr id="4" name="그림 3"/>
+          <p:cNvPr id="3" name="그림 2"/>
           <p:cNvPicPr>
             <a:picLocks noChangeAspect="1"/>
           </p:cNvPicPr>
@@ -8088,8 +8084,8 @@
         </p:blipFill>
         <p:spPr>
           <a:xfrm>
-            <a:off x="3278185" y="1943100"/>
-            <a:ext cx="6430964" cy="3212011"/>
+            <a:off x="1700129" y="1492719"/>
+            <a:ext cx="8869013" cy="5134692"/>
           </a:xfrm>
           <a:prstGeom prst="rect">
             <a:avLst/>
